--- a/RANSOMWARE SIMULATION PROJECT – SUMMARY REPORT.pptx
+++ b/RANSOMWARE SIMULATION PROJECT – SUMMARY REPORT.pptx
@@ -219,7 +219,7 @@
           <a:p>
             <a:fld id="{762B48F5-BACC-47D6-A0F7-82FBF9C6BC85}" type="datetimeFigureOut">
               <a:rPr lang="en-US"/>
-              <a:t>4/18/2025</a:t>
+              <a:t>4/25/2025</a:t>
             </a:fld>
             <a:endParaRPr/>
           </a:p>
@@ -384,7 +384,7 @@
           <a:p>
             <a:fld id="{0CB1CD00-5424-4675-AB18-2C419B060449}" type="datetimeFigureOut">
               <a:rPr lang="en-US"/>
-              <a:t>4/18/2025</a:t>
+              <a:t>4/25/2025</a:t>
             </a:fld>
             <a:endParaRPr/>
           </a:p>
@@ -1035,7 +1035,7 @@
           <a:p>
             <a:fld id="{37CC0096-1860-4642-9CD2-0079EA5E7CD1}" type="datetimeFigureOut">
               <a:rPr lang="en-US" smtClean="0"/>
-              <a:t>4/18/2025</a:t>
+              <a:t>4/25/2025</a:t>
             </a:fld>
             <a:endParaRPr lang="en-US"/>
           </a:p>
@@ -1215,7 +1215,7 @@
           <a:p>
             <a:fld id="{37CC0096-1860-4642-9CD2-0079EA5E7CD1}" type="datetimeFigureOut">
               <a:rPr lang="en-US" smtClean="0"/>
-              <a:t>4/18/2025</a:t>
+              <a:t>4/25/2025</a:t>
             </a:fld>
             <a:endParaRPr lang="en-US"/>
           </a:p>
@@ -1389,7 +1389,7 @@
           <a:p>
             <a:fld id="{37CC0096-1860-4642-9CD2-0079EA5E7CD1}" type="datetimeFigureOut">
               <a:rPr lang="en-US" smtClean="0"/>
-              <a:t>4/18/2025</a:t>
+              <a:t>4/25/2025</a:t>
             </a:fld>
             <a:endParaRPr lang="en-US"/>
           </a:p>
@@ -1824,7 +1824,7 @@
           <a:p>
             <a:fld id="{37CC0096-1860-4642-9CD2-0079EA5E7CD1}" type="datetimeFigureOut">
               <a:rPr lang="en-US" smtClean="0"/>
-              <a:t>4/18/2025</a:t>
+              <a:t>4/25/2025</a:t>
             </a:fld>
             <a:endParaRPr lang="en-US"/>
           </a:p>
@@ -2264,7 +2264,7 @@
           <a:p>
             <a:fld id="{37CC0096-1860-4642-9CD2-0079EA5E7CD1}" type="datetimeFigureOut">
               <a:rPr lang="en-US" smtClean="0"/>
-              <a:t>4/18/2025</a:t>
+              <a:t>4/25/2025</a:t>
             </a:fld>
             <a:endParaRPr lang="en-US"/>
           </a:p>
@@ -2382,7 +2382,7 @@
           <a:p>
             <a:fld id="{37CC0096-1860-4642-9CD2-0079EA5E7CD1}" type="datetimeFigureOut">
               <a:rPr lang="en-US" smtClean="0"/>
-              <a:t>4/18/2025</a:t>
+              <a:t>4/25/2025</a:t>
             </a:fld>
             <a:endParaRPr lang="en-US"/>
           </a:p>
@@ -2477,7 +2477,7 @@
           <a:p>
             <a:fld id="{37CC0096-1860-4642-9CD2-0079EA5E7CD1}" type="datetimeFigureOut">
               <a:rPr lang="en-US" smtClean="0"/>
-              <a:t>4/18/2025</a:t>
+              <a:t>4/25/2025</a:t>
             </a:fld>
             <a:endParaRPr lang="en-US"/>
           </a:p>
@@ -2761,7 +2761,7 @@
           <a:p>
             <a:fld id="{37CC0096-1860-4642-9CD2-0079EA5E7CD1}" type="datetimeFigureOut">
               <a:rPr lang="en-US" smtClean="0"/>
-              <a:t>4/18/2025</a:t>
+              <a:t>4/25/2025</a:t>
             </a:fld>
             <a:endParaRPr lang="en-US"/>
           </a:p>
@@ -3074,7 +3074,7 @@
           <a:p>
             <a:fld id="{37CC0096-1860-4642-9CD2-0079EA5E7CD1}" type="datetimeFigureOut">
               <a:rPr lang="en-US" smtClean="0"/>
-              <a:t>4/18/2025</a:t>
+              <a:t>4/25/2025</a:t>
             </a:fld>
             <a:endParaRPr lang="en-US"/>
           </a:p>
@@ -3306,7 +3306,7 @@
             <a:fld id="{37CC0096-1860-4642-9CD2-0079EA5E7CD1}" type="datetimeFigureOut">
               <a:rPr lang="en-US" smtClean="0"/>
               <a:pPr/>
-              <a:t>4/18/2025</a:t>
+              <a:t>4/25/2025</a:t>
             </a:fld>
             <a:endParaRPr lang="en-US"/>
           </a:p>
@@ -3768,8 +3768,17 @@
           <a:p>
             <a:r>
               <a:rPr lang="en-US" dirty="0" smtClean="0"/>
-              <a:t>NAME: UCHENDU, FAVOUR ENI</a:t>
-            </a:r>
+              <a:t>NAME: UCHENDU, </a:t>
+            </a:r>
+            <a:r>
+              <a:rPr lang="en-US" smtClean="0"/>
+              <a:t>FAVOUR </a:t>
+            </a:r>
+            <a:r>
+              <a:rPr lang="en-US" smtClean="0"/>
+              <a:t>ENI &amp; RICHARD OLADIMEJI</a:t>
+            </a:r>
+            <a:endParaRPr lang="en-US" dirty="0" smtClean="0"/>
           </a:p>
           <a:p>
             <a:r>
@@ -3954,11 +3963,7 @@
           <a:p>
             <a:r>
               <a:rPr lang="en-US" b="1" dirty="0" smtClean="0"/>
-              <a:t>File Encryption and Decryption</a:t>
-            </a:r>
-            <a:r>
-              <a:rPr lang="en-US" b="1" dirty="0" smtClean="0"/>
-              <a:t>: </a:t>
+              <a:t>File Encryption and Decryption: </a:t>
             </a:r>
             <a:endParaRPr lang="en-US" dirty="0"/>
           </a:p>
@@ -3987,7 +3992,6 @@
               <a:rPr lang="en-US" dirty="0" smtClean="0"/>
               <a:t>encryption for secure file handling.</a:t>
             </a:r>
-            <a:endParaRPr lang="en-US" dirty="0" smtClean="0"/>
           </a:p>
           <a:p>
             <a:pPr>
